--- a/Exception handling.pptx
+++ b/Exception handling.pptx
@@ -144,7 +144,7 @@
   <pc:docChgLst>
     <pc:chgData name="Rune Nielsen" userId="e10cb70fadcd200a" providerId="LiveId" clId="{4E911D44-777D-48AC-95DC-C1AC5D2ACD0B}"/>
     <pc:docChg chg="undo custSel addSld modSld">
-      <pc:chgData name="Rune Nielsen" userId="e10cb70fadcd200a" providerId="LiveId" clId="{4E911D44-777D-48AC-95DC-C1AC5D2ACD0B}" dt="2018-04-10T20:22:13.259" v="12547" actId="20577"/>
+      <pc:chgData name="Rune Nielsen" userId="e10cb70fadcd200a" providerId="LiveId" clId="{4E911D44-777D-48AC-95DC-C1AC5D2ACD0B}" dt="2018-04-12T08:07:02.304" v="12551" actId="20577"/>
       <pc:docMkLst>
         <pc:docMk/>
       </pc:docMkLst>
@@ -1171,7 +1171,7 @@
         </pc:picChg>
       </pc:sldChg>
       <pc:sldChg chg="modSp add">
-        <pc:chgData name="Rune Nielsen" userId="e10cb70fadcd200a" providerId="LiveId" clId="{4E911D44-777D-48AC-95DC-C1AC5D2ACD0B}" dt="2018-04-10T19:03:37.734" v="6407" actId="313"/>
+        <pc:chgData name="Rune Nielsen" userId="e10cb70fadcd200a" providerId="LiveId" clId="{4E911D44-777D-48AC-95DC-C1AC5D2ACD0B}" dt="2018-04-12T08:07:02.304" v="12551" actId="20577"/>
         <pc:sldMkLst>
           <pc:docMk/>
           <pc:sldMk cId="3220932912" sldId="266"/>
@@ -1185,7 +1185,7 @@
           </ac:spMkLst>
         </pc:spChg>
         <pc:spChg chg="mod">
-          <ac:chgData name="Rune Nielsen" userId="e10cb70fadcd200a" providerId="LiveId" clId="{4E911D44-777D-48AC-95DC-C1AC5D2ACD0B}" dt="2018-04-10T19:03:37.734" v="6407" actId="313"/>
+          <ac:chgData name="Rune Nielsen" userId="e10cb70fadcd200a" providerId="LiveId" clId="{4E911D44-777D-48AC-95DC-C1AC5D2ACD0B}" dt="2018-04-12T08:07:02.304" v="12551" actId="20577"/>
           <ac:spMkLst>
             <pc:docMk/>
             <pc:sldMk cId="3220932912" sldId="266"/>
@@ -1850,7 +1850,7 @@
           <a:p>
             <a:fld id="{6268D2C3-3A0A-4E86-82E1-3B9FFAE7DB90}" type="datetimeFigureOut">
               <a:rPr lang="da-DK" smtClean="0"/>
-              <a:t>10-04-2018</a:t>
+              <a:t>12-04-2018</a:t>
             </a:fld>
             <a:endParaRPr lang="da-DK"/>
           </a:p>
@@ -2600,7 +2600,7 @@
           <a:p>
             <a:fld id="{CFCC173C-2320-44CB-8FC2-367C55E23369}" type="datetimeFigureOut">
               <a:rPr lang="da-DK" smtClean="0"/>
-              <a:t>10-04-2018</a:t>
+              <a:t>12-04-2018</a:t>
             </a:fld>
             <a:endParaRPr lang="da-DK"/>
           </a:p>
@@ -2798,7 +2798,7 @@
           <a:p>
             <a:fld id="{CFCC173C-2320-44CB-8FC2-367C55E23369}" type="datetimeFigureOut">
               <a:rPr lang="da-DK" smtClean="0"/>
-              <a:t>10-04-2018</a:t>
+              <a:t>12-04-2018</a:t>
             </a:fld>
             <a:endParaRPr lang="da-DK"/>
           </a:p>
@@ -3006,7 +3006,7 @@
           <a:p>
             <a:fld id="{CFCC173C-2320-44CB-8FC2-367C55E23369}" type="datetimeFigureOut">
               <a:rPr lang="da-DK" smtClean="0"/>
-              <a:t>10-04-2018</a:t>
+              <a:t>12-04-2018</a:t>
             </a:fld>
             <a:endParaRPr lang="da-DK"/>
           </a:p>
@@ -3204,7 +3204,7 @@
           <a:p>
             <a:fld id="{CFCC173C-2320-44CB-8FC2-367C55E23369}" type="datetimeFigureOut">
               <a:rPr lang="da-DK" smtClean="0"/>
-              <a:t>10-04-2018</a:t>
+              <a:t>12-04-2018</a:t>
             </a:fld>
             <a:endParaRPr lang="da-DK"/>
           </a:p>
@@ -3479,7 +3479,7 @@
           <a:p>
             <a:fld id="{CFCC173C-2320-44CB-8FC2-367C55E23369}" type="datetimeFigureOut">
               <a:rPr lang="da-DK" smtClean="0"/>
-              <a:t>10-04-2018</a:t>
+              <a:t>12-04-2018</a:t>
             </a:fld>
             <a:endParaRPr lang="da-DK"/>
           </a:p>
@@ -3744,7 +3744,7 @@
           <a:p>
             <a:fld id="{CFCC173C-2320-44CB-8FC2-367C55E23369}" type="datetimeFigureOut">
               <a:rPr lang="da-DK" smtClean="0"/>
-              <a:t>10-04-2018</a:t>
+              <a:t>12-04-2018</a:t>
             </a:fld>
             <a:endParaRPr lang="da-DK"/>
           </a:p>
@@ -4156,7 +4156,7 @@
           <a:p>
             <a:fld id="{CFCC173C-2320-44CB-8FC2-367C55E23369}" type="datetimeFigureOut">
               <a:rPr lang="da-DK" smtClean="0"/>
-              <a:t>10-04-2018</a:t>
+              <a:t>12-04-2018</a:t>
             </a:fld>
             <a:endParaRPr lang="da-DK"/>
           </a:p>
@@ -4297,7 +4297,7 @@
           <a:p>
             <a:fld id="{CFCC173C-2320-44CB-8FC2-367C55E23369}" type="datetimeFigureOut">
               <a:rPr lang="da-DK" smtClean="0"/>
-              <a:t>10-04-2018</a:t>
+              <a:t>12-04-2018</a:t>
             </a:fld>
             <a:endParaRPr lang="da-DK"/>
           </a:p>
@@ -4410,7 +4410,7 @@
           <a:p>
             <a:fld id="{CFCC173C-2320-44CB-8FC2-367C55E23369}" type="datetimeFigureOut">
               <a:rPr lang="da-DK" smtClean="0"/>
-              <a:t>10-04-2018</a:t>
+              <a:t>12-04-2018</a:t>
             </a:fld>
             <a:endParaRPr lang="da-DK"/>
           </a:p>
@@ -4721,7 +4721,7 @@
           <a:p>
             <a:fld id="{CFCC173C-2320-44CB-8FC2-367C55E23369}" type="datetimeFigureOut">
               <a:rPr lang="da-DK" smtClean="0"/>
-              <a:t>10-04-2018</a:t>
+              <a:t>12-04-2018</a:t>
             </a:fld>
             <a:endParaRPr lang="da-DK"/>
           </a:p>
@@ -5009,7 +5009,7 @@
           <a:p>
             <a:fld id="{CFCC173C-2320-44CB-8FC2-367C55E23369}" type="datetimeFigureOut">
               <a:rPr lang="da-DK" smtClean="0"/>
-              <a:t>10-04-2018</a:t>
+              <a:t>12-04-2018</a:t>
             </a:fld>
             <a:endParaRPr lang="da-DK"/>
           </a:p>
@@ -5250,7 +5250,7 @@
           <a:p>
             <a:fld id="{CFCC173C-2320-44CB-8FC2-367C55E23369}" type="datetimeFigureOut">
               <a:rPr lang="da-DK" smtClean="0"/>
-              <a:t>10-04-2018</a:t>
+              <a:t>12-04-2018</a:t>
             </a:fld>
             <a:endParaRPr lang="da-DK"/>
           </a:p>
@@ -6793,7 +6793,7 @@
           <a:p>
             <a:r>
               <a:rPr lang="en-US" sz="1800" dirty="0"/>
-              <a:t>For conditions that are likely to occur it might be better to trigger an exception, consider handling them in a way that will avoid the exception.</a:t>
+              <a:t>For conditions that are likely to occur it might be better NOT to trigger an exception, consider handling them in a way that will avoid the exception.</a:t>
             </a:r>
           </a:p>
           <a:p>
